--- a/Презентация Помогалка По Урокам.pptx
+++ b/Презентация Помогалка По Урокам.pptx
@@ -15145,8 +15145,8 @@
         </p:nvSpPr>
         <p:spPr>
           <a:xfrm>
-            <a:off x="611560" y="980728"/>
-            <a:ext cx="8229600" cy="1330408"/>
+            <a:off x="0" y="260648"/>
+            <a:ext cx="9144000" cy="2050488"/>
           </a:xfrm>
         </p:spPr>
         <p:txBody>
@@ -18139,16 +18139,46 @@
                 </a:solidFill>
                 <a:latin typeface="Comic Sans MS" pitchFamily="66" charset="0"/>
               </a:rPr>
-              <a:t>-боте:</a:t>
-            </a:r>
-            <a:br>
+              <a:t>-боте</a:t>
+            </a:r>
+            <a:r>
+              <a:rPr lang="ru-RU" sz="2000" dirty="0" smtClean="0">
+                <a:solidFill>
+                  <a:schemeClr val="tx1"/>
+                </a:solidFill>
+                <a:latin typeface="Comic Sans MS" pitchFamily="66" charset="0"/>
+              </a:rPr>
+              <a:t>:</a:t>
+            </a:r>
+            <a:endParaRPr lang="en-US" sz="2000" dirty="0" smtClean="0">
+              <a:solidFill>
+                <a:schemeClr val="tx1"/>
+              </a:solidFill>
+              <a:latin typeface="Comic Sans MS" pitchFamily="66" charset="0"/>
+            </a:endParaRPr>
+          </a:p>
+          <a:p>
+            <a:pPr marL="0" indent="0" algn="ctr">
+              <a:buNone/>
+            </a:pPr>
+            <a:r>
               <a:rPr lang="ru-RU" sz="2000" dirty="0">
                 <a:solidFill>
                   <a:schemeClr val="tx1"/>
                 </a:solidFill>
                 <a:latin typeface="Comic Sans MS" pitchFamily="66" charset="0"/>
               </a:rPr>
-            </a:br>
+              <a:t>• </a:t>
+            </a:r>
+            <a:r>
+              <a:rPr lang="ru-RU" sz="2000" dirty="0" err="1">
+                <a:solidFill>
+                  <a:schemeClr val="tx1"/>
+                </a:solidFill>
+                <a:latin typeface="Comic Sans MS" pitchFamily="66" charset="0"/>
+              </a:rPr>
+              <a:t>Токен</a:t>
+            </a:r>
             <a:r>
               <a:rPr lang="ru-RU" sz="2000" dirty="0">
                 <a:solidFill>
@@ -18156,7 +18186,7 @@
                 </a:solidFill>
                 <a:latin typeface="Comic Sans MS" pitchFamily="66" charset="0"/>
               </a:rPr>
-              <a:t>• </a:t>
+              <a:t> хранится в переменных окружения (.</a:t>
             </a:r>
             <a:r>
               <a:rPr lang="ru-RU" sz="2000" dirty="0" err="1">
@@ -18165,7 +18195,7 @@
                 </a:solidFill>
                 <a:latin typeface="Comic Sans MS" pitchFamily="66" charset="0"/>
               </a:rPr>
-              <a:t>Токен</a:t>
+              <a:t>env</a:t>
             </a:r>
             <a:r>
               <a:rPr lang="ru-RU" sz="2000" dirty="0">
@@ -18174,16 +18204,7 @@
                 </a:solidFill>
                 <a:latin typeface="Comic Sans MS" pitchFamily="66" charset="0"/>
               </a:rPr>
-              <a:t> хранится в переменных окружения (.</a:t>
-            </a:r>
-            <a:r>
-              <a:rPr lang="ru-RU" sz="2000" dirty="0" err="1">
-                <a:solidFill>
-                  <a:schemeClr val="tx1"/>
-                </a:solidFill>
-                <a:latin typeface="Comic Sans MS" pitchFamily="66" charset="0"/>
-              </a:rPr>
-              <a:t>env</a:t>
+              <a:t>)</a:t>
             </a:r>
             <a:r>
               <a:rPr lang="ru-RU" sz="2000" dirty="0">
@@ -18192,7 +18213,7 @@
                 </a:solidFill>
                 <a:latin typeface="Comic Sans MS" pitchFamily="66" charset="0"/>
               </a:rPr>
-              <a:t>)</a:t>
+              <a:t/>
             </a:r>
             <a:br>
               <a:rPr lang="ru-RU" sz="2000" dirty="0">
